--- a/CV_Kustov_Anton_RUS_Actual.pptx
+++ b/CV_Kustov_Anton_RUS_Actual.pptx
@@ -15675,7 +15675,7 @@
                     <a:latin typeface="Arial" panose="020B0604020202020204" pitchFamily="34" charset="0"/>
                     <a:cs typeface="Arial" panose="020B0604020202020204" pitchFamily="34" charset="0"/>
                   </a:rPr>
-                  <a:t>        29.05.1990 (31 год)</a:t>
+                  <a:t>        29.05.1990</a:t>
                 </a:r>
                 <a:endParaRPr lang="en-US" sz="1000" dirty="0">
                   <a:solidFill>
